--- a/assets/design_brain_storming.pptx
+++ b/assets/design_brain_storming.pptx
@@ -109,6 +109,11 @@
       </a:defRPr>
     </a:lvl9pPr>
   </p:defaultTextStyle>
+  <p:extLst>
+    <p:ext uri="{EFAFB233-063F-42B5-8137-9DF3F51BA10A}">
+      <p15:sldGuideLst xmlns:p15="http://schemas.microsoft.com/office/powerpoint/2012/main"/>
+    </p:ext>
+  </p:extLst>
 </p:presentation>
 </file>
 
@@ -4266,8 +4271,8 @@
           </a:prstGeom>
         </p:spPr>
       </p:pic>
-      <mc:AlternateContent xmlns:mc="http://schemas.openxmlformats.org/markup-compatibility/2006">
-        <mc:Choice xmlns:p14="http://schemas.microsoft.com/office/powerpoint/2010/main" Requires="p14">
+      <mc:AlternateContent xmlns:mc="http://schemas.openxmlformats.org/markup-compatibility/2006" xmlns:p14="http://schemas.microsoft.com/office/powerpoint/2010/main">
+        <mc:Choice Requires="p14">
           <p:contentPart p14:bwMode="auto" r:id="rId3">
             <p14:nvContentPartPr>
               <p14:cNvPr id="6" name="Freihand 5">
@@ -4286,7 +4291,7 @@
             </p14:xfrm>
           </p:contentPart>
         </mc:Choice>
-        <mc:Fallback>
+        <mc:Fallback xmlns="">
           <p:pic>
             <p:nvPicPr>
               <p:cNvPr id="6" name="Freihand 5">
@@ -4317,8 +4322,8 @@
           </p:pic>
         </mc:Fallback>
       </mc:AlternateContent>
-      <mc:AlternateContent xmlns:mc="http://schemas.openxmlformats.org/markup-compatibility/2006">
-        <mc:Choice xmlns:p14="http://schemas.microsoft.com/office/powerpoint/2010/main" Requires="p14">
+      <mc:AlternateContent xmlns:mc="http://schemas.openxmlformats.org/markup-compatibility/2006" xmlns:p14="http://schemas.microsoft.com/office/powerpoint/2010/main">
+        <mc:Choice Requires="p14">
           <p:contentPart p14:bwMode="auto" r:id="rId5">
             <p14:nvContentPartPr>
               <p14:cNvPr id="7" name="Freihand 6">
@@ -4337,7 +4342,7 @@
             </p14:xfrm>
           </p:contentPart>
         </mc:Choice>
-        <mc:Fallback>
+        <mc:Fallback xmlns="">
           <p:pic>
             <p:nvPicPr>
               <p:cNvPr id="7" name="Freihand 6">
@@ -4368,8 +4373,8 @@
           </p:pic>
         </mc:Fallback>
       </mc:AlternateContent>
-      <mc:AlternateContent xmlns:mc="http://schemas.openxmlformats.org/markup-compatibility/2006">
-        <mc:Choice xmlns:p14="http://schemas.microsoft.com/office/powerpoint/2010/main" Requires="p14">
+      <mc:AlternateContent xmlns:mc="http://schemas.openxmlformats.org/markup-compatibility/2006" xmlns:p14="http://schemas.microsoft.com/office/powerpoint/2010/main">
+        <mc:Choice Requires="p14">
           <p:contentPart p14:bwMode="auto" r:id="rId7">
             <p14:nvContentPartPr>
               <p14:cNvPr id="8" name="Freihand 7">
@@ -4388,7 +4393,7 @@
             </p14:xfrm>
           </p:contentPart>
         </mc:Choice>
-        <mc:Fallback>
+        <mc:Fallback xmlns="">
           <p:pic>
             <p:nvPicPr>
               <p:cNvPr id="8" name="Freihand 7">
@@ -4419,8 +4424,8 @@
           </p:pic>
         </mc:Fallback>
       </mc:AlternateContent>
-      <mc:AlternateContent xmlns:mc="http://schemas.openxmlformats.org/markup-compatibility/2006">
-        <mc:Choice xmlns:p14="http://schemas.microsoft.com/office/powerpoint/2010/main" Requires="p14">
+      <mc:AlternateContent xmlns:mc="http://schemas.openxmlformats.org/markup-compatibility/2006" xmlns:p14="http://schemas.microsoft.com/office/powerpoint/2010/main">
+        <mc:Choice Requires="p14">
           <p:contentPart p14:bwMode="auto" r:id="rId9">
             <p14:nvContentPartPr>
               <p14:cNvPr id="9" name="Freihand 8">
@@ -4439,7 +4444,7 @@
             </p14:xfrm>
           </p:contentPart>
         </mc:Choice>
-        <mc:Fallback>
+        <mc:Fallback xmlns="">
           <p:pic>
             <p:nvPicPr>
               <p:cNvPr id="9" name="Freihand 8">
@@ -4470,8 +4475,8 @@
           </p:pic>
         </mc:Fallback>
       </mc:AlternateContent>
-      <mc:AlternateContent xmlns:mc="http://schemas.openxmlformats.org/markup-compatibility/2006">
-        <mc:Choice xmlns:p14="http://schemas.microsoft.com/office/powerpoint/2010/main" Requires="p14">
+      <mc:AlternateContent xmlns:mc="http://schemas.openxmlformats.org/markup-compatibility/2006" xmlns:p14="http://schemas.microsoft.com/office/powerpoint/2010/main">
+        <mc:Choice Requires="p14">
           <p:contentPart p14:bwMode="auto" r:id="rId11">
             <p14:nvContentPartPr>
               <p14:cNvPr id="10" name="Freihand 9">
@@ -4490,7 +4495,7 @@
             </p14:xfrm>
           </p:contentPart>
         </mc:Choice>
-        <mc:Fallback>
+        <mc:Fallback xmlns="">
           <p:pic>
             <p:nvPicPr>
               <p:cNvPr id="10" name="Freihand 9">
@@ -4521,8 +4526,8 @@
           </p:pic>
         </mc:Fallback>
       </mc:AlternateContent>
-      <mc:AlternateContent xmlns:mc="http://schemas.openxmlformats.org/markup-compatibility/2006">
-        <mc:Choice xmlns:p14="http://schemas.microsoft.com/office/powerpoint/2010/main" Requires="p14">
+      <mc:AlternateContent xmlns:mc="http://schemas.openxmlformats.org/markup-compatibility/2006" xmlns:p14="http://schemas.microsoft.com/office/powerpoint/2010/main">
+        <mc:Choice Requires="p14">
           <p:contentPart p14:bwMode="auto" r:id="rId13">
             <p14:nvContentPartPr>
               <p14:cNvPr id="11" name="Freihand 10">
@@ -4541,7 +4546,7 @@
             </p14:xfrm>
           </p:contentPart>
         </mc:Choice>
-        <mc:Fallback>
+        <mc:Fallback xmlns="">
           <p:pic>
             <p:nvPicPr>
               <p:cNvPr id="11" name="Freihand 10">
@@ -4572,8 +4577,8 @@
           </p:pic>
         </mc:Fallback>
       </mc:AlternateContent>
-      <mc:AlternateContent xmlns:mc="http://schemas.openxmlformats.org/markup-compatibility/2006">
-        <mc:Choice xmlns:p14="http://schemas.microsoft.com/office/powerpoint/2010/main" Requires="p14">
+      <mc:AlternateContent xmlns:mc="http://schemas.openxmlformats.org/markup-compatibility/2006" xmlns:p14="http://schemas.microsoft.com/office/powerpoint/2010/main">
+        <mc:Choice Requires="p14">
           <p:contentPart p14:bwMode="auto" r:id="rId15">
             <p14:nvContentPartPr>
               <p14:cNvPr id="12" name="Freihand 11">
@@ -4592,7 +4597,7 @@
             </p14:xfrm>
           </p:contentPart>
         </mc:Choice>
-        <mc:Fallback>
+        <mc:Fallback xmlns="">
           <p:pic>
             <p:nvPicPr>
               <p:cNvPr id="12" name="Freihand 11">
@@ -4623,8 +4628,8 @@
           </p:pic>
         </mc:Fallback>
       </mc:AlternateContent>
-      <mc:AlternateContent xmlns:mc="http://schemas.openxmlformats.org/markup-compatibility/2006">
-        <mc:Choice xmlns:p14="http://schemas.microsoft.com/office/powerpoint/2010/main" Requires="p14">
+      <mc:AlternateContent xmlns:mc="http://schemas.openxmlformats.org/markup-compatibility/2006" xmlns:p14="http://schemas.microsoft.com/office/powerpoint/2010/main">
+        <mc:Choice Requires="p14">
           <p:contentPart p14:bwMode="auto" r:id="rId17">
             <p14:nvContentPartPr>
               <p14:cNvPr id="13" name="Freihand 12">
@@ -4643,7 +4648,7 @@
             </p14:xfrm>
           </p:contentPart>
         </mc:Choice>
-        <mc:Fallback>
+        <mc:Fallback xmlns="">
           <p:pic>
             <p:nvPicPr>
               <p:cNvPr id="13" name="Freihand 12">
@@ -4674,8 +4679,8 @@
           </p:pic>
         </mc:Fallback>
       </mc:AlternateContent>
-      <mc:AlternateContent xmlns:mc="http://schemas.openxmlformats.org/markup-compatibility/2006">
-        <mc:Choice xmlns:p14="http://schemas.microsoft.com/office/powerpoint/2010/main" Requires="p14">
+      <mc:AlternateContent xmlns:mc="http://schemas.openxmlformats.org/markup-compatibility/2006" xmlns:p14="http://schemas.microsoft.com/office/powerpoint/2010/main">
+        <mc:Choice Requires="p14">
           <p:contentPart p14:bwMode="auto" r:id="rId19">
             <p14:nvContentPartPr>
               <p14:cNvPr id="14" name="Freihand 13">
@@ -4694,7 +4699,7 @@
             </p14:xfrm>
           </p:contentPart>
         </mc:Choice>
-        <mc:Fallback>
+        <mc:Fallback xmlns="">
           <p:pic>
             <p:nvPicPr>
               <p:cNvPr id="14" name="Freihand 13">
@@ -4725,8 +4730,8 @@
           </p:pic>
         </mc:Fallback>
       </mc:AlternateContent>
-      <mc:AlternateContent xmlns:mc="http://schemas.openxmlformats.org/markup-compatibility/2006">
-        <mc:Choice xmlns:p14="http://schemas.microsoft.com/office/powerpoint/2010/main" Requires="p14">
+      <mc:AlternateContent xmlns:mc="http://schemas.openxmlformats.org/markup-compatibility/2006" xmlns:p14="http://schemas.microsoft.com/office/powerpoint/2010/main">
+        <mc:Choice Requires="p14">
           <p:contentPart p14:bwMode="auto" r:id="rId21">
             <p14:nvContentPartPr>
               <p14:cNvPr id="15" name="Freihand 14">
@@ -4745,7 +4750,7 @@
             </p14:xfrm>
           </p:contentPart>
         </mc:Choice>
-        <mc:Fallback>
+        <mc:Fallback xmlns="">
           <p:pic>
             <p:nvPicPr>
               <p:cNvPr id="15" name="Freihand 14">
@@ -4776,8 +4781,8 @@
           </p:pic>
         </mc:Fallback>
       </mc:AlternateContent>
-      <mc:AlternateContent xmlns:mc="http://schemas.openxmlformats.org/markup-compatibility/2006">
-        <mc:Choice xmlns:p14="http://schemas.microsoft.com/office/powerpoint/2010/main" Requires="p14">
+      <mc:AlternateContent xmlns:mc="http://schemas.openxmlformats.org/markup-compatibility/2006" xmlns:p14="http://schemas.microsoft.com/office/powerpoint/2010/main">
+        <mc:Choice Requires="p14">
           <p:contentPart p14:bwMode="auto" r:id="rId23">
             <p14:nvContentPartPr>
               <p14:cNvPr id="16" name="Freihand 15">
@@ -4796,7 +4801,7 @@
             </p14:xfrm>
           </p:contentPart>
         </mc:Choice>
-        <mc:Fallback>
+        <mc:Fallback xmlns="">
           <p:pic>
             <p:nvPicPr>
               <p:cNvPr id="16" name="Freihand 15">
@@ -4827,8 +4832,8 @@
           </p:pic>
         </mc:Fallback>
       </mc:AlternateContent>
-      <mc:AlternateContent xmlns:mc="http://schemas.openxmlformats.org/markup-compatibility/2006">
-        <mc:Choice xmlns:p14="http://schemas.microsoft.com/office/powerpoint/2010/main" Requires="p14">
+      <mc:AlternateContent xmlns:mc="http://schemas.openxmlformats.org/markup-compatibility/2006" xmlns:p14="http://schemas.microsoft.com/office/powerpoint/2010/main">
+        <mc:Choice Requires="p14">
           <p:contentPart p14:bwMode="auto" r:id="rId25">
             <p14:nvContentPartPr>
               <p14:cNvPr id="17" name="Freihand 16">
@@ -4847,7 +4852,7 @@
             </p14:xfrm>
           </p:contentPart>
         </mc:Choice>
-        <mc:Fallback>
+        <mc:Fallback xmlns="">
           <p:pic>
             <p:nvPicPr>
               <p:cNvPr id="17" name="Freihand 16">
@@ -4878,8 +4883,8 @@
           </p:pic>
         </mc:Fallback>
       </mc:AlternateContent>
-      <mc:AlternateContent xmlns:mc="http://schemas.openxmlformats.org/markup-compatibility/2006">
-        <mc:Choice xmlns:p14="http://schemas.microsoft.com/office/powerpoint/2010/main" Requires="p14">
+      <mc:AlternateContent xmlns:mc="http://schemas.openxmlformats.org/markup-compatibility/2006" xmlns:p14="http://schemas.microsoft.com/office/powerpoint/2010/main">
+        <mc:Choice Requires="p14">
           <p:contentPart p14:bwMode="auto" r:id="rId27">
             <p14:nvContentPartPr>
               <p14:cNvPr id="18" name="Freihand 17">
@@ -4898,7 +4903,7 @@
             </p14:xfrm>
           </p:contentPart>
         </mc:Choice>
-        <mc:Fallback>
+        <mc:Fallback xmlns="">
           <p:pic>
             <p:nvPicPr>
               <p:cNvPr id="18" name="Freihand 17">
@@ -4929,8 +4934,8 @@
           </p:pic>
         </mc:Fallback>
       </mc:AlternateContent>
-      <mc:AlternateContent xmlns:mc="http://schemas.openxmlformats.org/markup-compatibility/2006">
-        <mc:Choice xmlns:p14="http://schemas.microsoft.com/office/powerpoint/2010/main" Requires="p14">
+      <mc:AlternateContent xmlns:mc="http://schemas.openxmlformats.org/markup-compatibility/2006" xmlns:p14="http://schemas.microsoft.com/office/powerpoint/2010/main">
+        <mc:Choice Requires="p14">
           <p:contentPart p14:bwMode="auto" r:id="rId29">
             <p14:nvContentPartPr>
               <p14:cNvPr id="19" name="Freihand 18">
@@ -4949,7 +4954,7 @@
             </p14:xfrm>
           </p:contentPart>
         </mc:Choice>
-        <mc:Fallback>
+        <mc:Fallback xmlns="">
           <p:pic>
             <p:nvPicPr>
               <p:cNvPr id="19" name="Freihand 18">
@@ -4980,8 +4985,8 @@
           </p:pic>
         </mc:Fallback>
       </mc:AlternateContent>
-      <mc:AlternateContent xmlns:mc="http://schemas.openxmlformats.org/markup-compatibility/2006">
-        <mc:Choice xmlns:p14="http://schemas.microsoft.com/office/powerpoint/2010/main" Requires="p14">
+      <mc:AlternateContent xmlns:mc="http://schemas.openxmlformats.org/markup-compatibility/2006" xmlns:p14="http://schemas.microsoft.com/office/powerpoint/2010/main">
+        <mc:Choice Requires="p14">
           <p:contentPart p14:bwMode="auto" r:id="rId31">
             <p14:nvContentPartPr>
               <p14:cNvPr id="20" name="Freihand 19">
@@ -5000,7 +5005,7 @@
             </p14:xfrm>
           </p:contentPart>
         </mc:Choice>
-        <mc:Fallback>
+        <mc:Fallback xmlns="">
           <p:pic>
             <p:nvPicPr>
               <p:cNvPr id="20" name="Freihand 19">
@@ -5031,8 +5036,8 @@
           </p:pic>
         </mc:Fallback>
       </mc:AlternateContent>
-      <mc:AlternateContent xmlns:mc="http://schemas.openxmlformats.org/markup-compatibility/2006">
-        <mc:Choice xmlns:p14="http://schemas.microsoft.com/office/powerpoint/2010/main" Requires="p14">
+      <mc:AlternateContent xmlns:mc="http://schemas.openxmlformats.org/markup-compatibility/2006" xmlns:p14="http://schemas.microsoft.com/office/powerpoint/2010/main">
+        <mc:Choice Requires="p14">
           <p:contentPart p14:bwMode="auto" r:id="rId32">
             <p14:nvContentPartPr>
               <p14:cNvPr id="22" name="Freihand 21">
@@ -5051,7 +5056,7 @@
             </p14:xfrm>
           </p:contentPart>
         </mc:Choice>
-        <mc:Fallback>
+        <mc:Fallback xmlns="">
           <p:pic>
             <p:nvPicPr>
               <p:cNvPr id="22" name="Freihand 21">
@@ -5251,8 +5256,8 @@
           </a:prstGeom>
         </p:spPr>
       </p:pic>
-      <mc:AlternateContent xmlns:mc="http://schemas.openxmlformats.org/markup-compatibility/2006">
-        <mc:Choice xmlns:p14="http://schemas.microsoft.com/office/powerpoint/2010/main" Requires="p14">
+      <mc:AlternateContent xmlns:mc="http://schemas.openxmlformats.org/markup-compatibility/2006" xmlns:p14="http://schemas.microsoft.com/office/powerpoint/2010/main">
+        <mc:Choice Requires="p14">
           <p:contentPart p14:bwMode="auto" r:id="rId4">
             <p14:nvContentPartPr>
               <p14:cNvPr id="18" name="Freihand 17">
@@ -5271,7 +5276,7 @@
             </p14:xfrm>
           </p:contentPart>
         </mc:Choice>
-        <mc:Fallback>
+        <mc:Fallback xmlns="">
           <p:pic>
             <p:nvPicPr>
               <p:cNvPr id="18" name="Freihand 17">
@@ -5302,8 +5307,8 @@
           </p:pic>
         </mc:Fallback>
       </mc:AlternateContent>
-      <mc:AlternateContent xmlns:mc="http://schemas.openxmlformats.org/markup-compatibility/2006">
-        <mc:Choice xmlns:p14="http://schemas.microsoft.com/office/powerpoint/2010/main" Requires="p14">
+      <mc:AlternateContent xmlns:mc="http://schemas.openxmlformats.org/markup-compatibility/2006" xmlns:p14="http://schemas.microsoft.com/office/powerpoint/2010/main">
+        <mc:Choice Requires="p14">
           <p:contentPart p14:bwMode="auto" r:id="rId6">
             <p14:nvContentPartPr>
               <p14:cNvPr id="20" name="Freihand 19">
@@ -5322,7 +5327,7 @@
             </p14:xfrm>
           </p:contentPart>
         </mc:Choice>
-        <mc:Fallback>
+        <mc:Fallback xmlns="">
           <p:pic>
             <p:nvPicPr>
               <p:cNvPr id="20" name="Freihand 19">
@@ -5353,8 +5358,8 @@
           </p:pic>
         </mc:Fallback>
       </mc:AlternateContent>
-      <mc:AlternateContent xmlns:mc="http://schemas.openxmlformats.org/markup-compatibility/2006">
-        <mc:Choice xmlns:p14="http://schemas.microsoft.com/office/powerpoint/2010/main" Requires="p14">
+      <mc:AlternateContent xmlns:mc="http://schemas.openxmlformats.org/markup-compatibility/2006" xmlns:p14="http://schemas.microsoft.com/office/powerpoint/2010/main">
+        <mc:Choice Requires="p14">
           <p:contentPart p14:bwMode="auto" r:id="rId7">
             <p14:nvContentPartPr>
               <p14:cNvPr id="3" name="Freihand 2">
@@ -5373,7 +5378,7 @@
             </p14:xfrm>
           </p:contentPart>
         </mc:Choice>
-        <mc:Fallback>
+        <mc:Fallback xmlns="">
           <p:pic>
             <p:nvPicPr>
               <p:cNvPr id="3" name="Freihand 2">
@@ -5574,8 +5579,8 @@
           </a:prstGeom>
         </p:spPr>
       </p:pic>
-      <mc:AlternateContent xmlns:mc="http://schemas.openxmlformats.org/markup-compatibility/2006">
-        <mc:Choice xmlns:p14="http://schemas.microsoft.com/office/powerpoint/2010/main" Requires="p14">
+      <mc:AlternateContent xmlns:mc="http://schemas.openxmlformats.org/markup-compatibility/2006" xmlns:p14="http://schemas.microsoft.com/office/powerpoint/2010/main">
+        <mc:Choice Requires="p14">
           <p:contentPart p14:bwMode="auto" r:id="rId4">
             <p14:nvContentPartPr>
               <p14:cNvPr id="18" name="Freihand 17">
@@ -5594,7 +5599,7 @@
             </p14:xfrm>
           </p:contentPart>
         </mc:Choice>
-        <mc:Fallback>
+        <mc:Fallback xmlns="">
           <p:pic>
             <p:nvPicPr>
               <p:cNvPr id="18" name="Freihand 17">
@@ -5625,8 +5630,8 @@
           </p:pic>
         </mc:Fallback>
       </mc:AlternateContent>
-      <mc:AlternateContent xmlns:mc="http://schemas.openxmlformats.org/markup-compatibility/2006">
-        <mc:Choice xmlns:p14="http://schemas.microsoft.com/office/powerpoint/2010/main" Requires="p14">
+      <mc:AlternateContent xmlns:mc="http://schemas.openxmlformats.org/markup-compatibility/2006" xmlns:p14="http://schemas.microsoft.com/office/powerpoint/2010/main">
+        <mc:Choice Requires="p14">
           <p:contentPart p14:bwMode="auto" r:id="rId6">
             <p14:nvContentPartPr>
               <p14:cNvPr id="20" name="Freihand 19">
@@ -5645,7 +5650,7 @@
             </p14:xfrm>
           </p:contentPart>
         </mc:Choice>
-        <mc:Fallback>
+        <mc:Fallback xmlns="">
           <p:pic>
             <p:nvPicPr>
               <p:cNvPr id="20" name="Freihand 19">
@@ -5676,8 +5681,8 @@
           </p:pic>
         </mc:Fallback>
       </mc:AlternateContent>
-      <mc:AlternateContent xmlns:mc="http://schemas.openxmlformats.org/markup-compatibility/2006">
-        <mc:Choice xmlns:p14="http://schemas.microsoft.com/office/powerpoint/2010/main" Requires="p14">
+      <mc:AlternateContent xmlns:mc="http://schemas.openxmlformats.org/markup-compatibility/2006" xmlns:p14="http://schemas.microsoft.com/office/powerpoint/2010/main">
+        <mc:Choice Requires="p14">
           <p:contentPart p14:bwMode="auto" r:id="rId7">
             <p14:nvContentPartPr>
               <p14:cNvPr id="3" name="Freihand 2">
@@ -5696,7 +5701,7 @@
             </p14:xfrm>
           </p:contentPart>
         </mc:Choice>
-        <mc:Fallback>
+        <mc:Fallback xmlns="">
           <p:pic>
             <p:nvPicPr>
               <p:cNvPr id="3" name="Freihand 2">
@@ -5897,8 +5902,8 @@
           </a:prstGeom>
         </p:spPr>
       </p:pic>
-      <mc:AlternateContent xmlns:mc="http://schemas.openxmlformats.org/markup-compatibility/2006">
-        <mc:Choice xmlns:p14="http://schemas.microsoft.com/office/powerpoint/2010/main" Requires="p14">
+      <mc:AlternateContent xmlns:mc="http://schemas.openxmlformats.org/markup-compatibility/2006" xmlns:p14="http://schemas.microsoft.com/office/powerpoint/2010/main">
+        <mc:Choice Requires="p14">
           <p:contentPart p14:bwMode="auto" r:id="rId4">
             <p14:nvContentPartPr>
               <p14:cNvPr id="18" name="Freihand 17">
@@ -5917,7 +5922,7 @@
             </p14:xfrm>
           </p:contentPart>
         </mc:Choice>
-        <mc:Fallback>
+        <mc:Fallback xmlns="">
           <p:pic>
             <p:nvPicPr>
               <p:cNvPr id="18" name="Freihand 17">
@@ -5948,8 +5953,8 @@
           </p:pic>
         </mc:Fallback>
       </mc:AlternateContent>
-      <mc:AlternateContent xmlns:mc="http://schemas.openxmlformats.org/markup-compatibility/2006">
-        <mc:Choice xmlns:p14="http://schemas.microsoft.com/office/powerpoint/2010/main" Requires="p14">
+      <mc:AlternateContent xmlns:mc="http://schemas.openxmlformats.org/markup-compatibility/2006" xmlns:p14="http://schemas.microsoft.com/office/powerpoint/2010/main">
+        <mc:Choice Requires="p14">
           <p:contentPart p14:bwMode="auto" r:id="rId6">
             <p14:nvContentPartPr>
               <p14:cNvPr id="20" name="Freihand 19">
@@ -5968,7 +5973,7 @@
             </p14:xfrm>
           </p:contentPart>
         </mc:Choice>
-        <mc:Fallback>
+        <mc:Fallback xmlns="">
           <p:pic>
             <p:nvPicPr>
               <p:cNvPr id="20" name="Freihand 19">
@@ -5999,8 +6004,8 @@
           </p:pic>
         </mc:Fallback>
       </mc:AlternateContent>
-      <mc:AlternateContent xmlns:mc="http://schemas.openxmlformats.org/markup-compatibility/2006">
-        <mc:Choice xmlns:p14="http://schemas.microsoft.com/office/powerpoint/2010/main" Requires="p14">
+      <mc:AlternateContent xmlns:mc="http://schemas.openxmlformats.org/markup-compatibility/2006" xmlns:p14="http://schemas.microsoft.com/office/powerpoint/2010/main">
+        <mc:Choice Requires="p14">
           <p:contentPart p14:bwMode="auto" r:id="rId7">
             <p14:nvContentPartPr>
               <p14:cNvPr id="3" name="Freihand 2">
@@ -6019,7 +6024,7 @@
             </p14:xfrm>
           </p:contentPart>
         </mc:Choice>
-        <mc:Fallback>
+        <mc:Fallback xmlns="">
           <p:pic>
             <p:nvPicPr>
               <p:cNvPr id="3" name="Freihand 2">
@@ -6318,8 +6323,8 @@
           </a:p>
         </p:txBody>
       </p:sp>
-      <mc:AlternateContent xmlns:mc="http://schemas.openxmlformats.org/markup-compatibility/2006">
-        <mc:Choice xmlns:p14="http://schemas.microsoft.com/office/powerpoint/2010/main" Requires="p14">
+      <mc:AlternateContent xmlns:mc="http://schemas.openxmlformats.org/markup-compatibility/2006" xmlns:p14="http://schemas.microsoft.com/office/powerpoint/2010/main">
+        <mc:Choice Requires="p14">
           <p:contentPart p14:bwMode="auto" r:id="rId3">
             <p14:nvContentPartPr>
               <p14:cNvPr id="18" name="Freihand 17">
@@ -6338,7 +6343,7 @@
             </p14:xfrm>
           </p:contentPart>
         </mc:Choice>
-        <mc:Fallback>
+        <mc:Fallback xmlns="">
           <p:pic>
             <p:nvPicPr>
               <p:cNvPr id="18" name="Freihand 17">
@@ -6369,8 +6374,8 @@
           </p:pic>
         </mc:Fallback>
       </mc:AlternateContent>
-      <mc:AlternateContent xmlns:mc="http://schemas.openxmlformats.org/markup-compatibility/2006">
-        <mc:Choice xmlns:p14="http://schemas.microsoft.com/office/powerpoint/2010/main" Requires="p14">
+      <mc:AlternateContent xmlns:mc="http://schemas.openxmlformats.org/markup-compatibility/2006" xmlns:p14="http://schemas.microsoft.com/office/powerpoint/2010/main">
+        <mc:Choice Requires="p14">
           <p:contentPart p14:bwMode="auto" r:id="rId5">
             <p14:nvContentPartPr>
               <p14:cNvPr id="20" name="Freihand 19">
@@ -6389,7 +6394,7 @@
             </p14:xfrm>
           </p:contentPart>
         </mc:Choice>
-        <mc:Fallback>
+        <mc:Fallback xmlns="">
           <p:pic>
             <p:nvPicPr>
               <p:cNvPr id="20" name="Freihand 19">
@@ -6420,8 +6425,8 @@
           </p:pic>
         </mc:Fallback>
       </mc:AlternateContent>
-      <mc:AlternateContent xmlns:mc="http://schemas.openxmlformats.org/markup-compatibility/2006">
-        <mc:Choice xmlns:p14="http://schemas.microsoft.com/office/powerpoint/2010/main" Requires="p14">
+      <mc:AlternateContent xmlns:mc="http://schemas.openxmlformats.org/markup-compatibility/2006" xmlns:p14="http://schemas.microsoft.com/office/powerpoint/2010/main">
+        <mc:Choice Requires="p14">
           <p:contentPart p14:bwMode="auto" r:id="rId6">
             <p14:nvContentPartPr>
               <p14:cNvPr id="3" name="Freihand 2">
@@ -6440,7 +6445,7 @@
             </p14:xfrm>
           </p:contentPart>
         </mc:Choice>
-        <mc:Fallback>
+        <mc:Fallback xmlns="">
           <p:pic>
             <p:nvPicPr>
               <p:cNvPr id="3" name="Freihand 2">
@@ -6715,8 +6720,8 @@
           </a:p>
         </p:txBody>
       </p:sp>
-      <mc:AlternateContent xmlns:mc="http://schemas.openxmlformats.org/markup-compatibility/2006">
-        <mc:Choice xmlns:p14="http://schemas.microsoft.com/office/powerpoint/2010/main" Requires="p14">
+      <mc:AlternateContent xmlns:mc="http://schemas.openxmlformats.org/markup-compatibility/2006" xmlns:p14="http://schemas.microsoft.com/office/powerpoint/2010/main">
+        <mc:Choice Requires="p14">
           <p:contentPart p14:bwMode="auto" r:id="rId4">
             <p14:nvContentPartPr>
               <p14:cNvPr id="18" name="Freihand 17">
@@ -6735,7 +6740,7 @@
             </p14:xfrm>
           </p:contentPart>
         </mc:Choice>
-        <mc:Fallback>
+        <mc:Fallback xmlns="">
           <p:pic>
             <p:nvPicPr>
               <p:cNvPr id="18" name="Freihand 17">
@@ -6766,8 +6771,8 @@
           </p:pic>
         </mc:Fallback>
       </mc:AlternateContent>
-      <mc:AlternateContent xmlns:mc="http://schemas.openxmlformats.org/markup-compatibility/2006">
-        <mc:Choice xmlns:p14="http://schemas.microsoft.com/office/powerpoint/2010/main" Requires="p14">
+      <mc:AlternateContent xmlns:mc="http://schemas.openxmlformats.org/markup-compatibility/2006" xmlns:p14="http://schemas.microsoft.com/office/powerpoint/2010/main">
+        <mc:Choice Requires="p14">
           <p:contentPart p14:bwMode="auto" r:id="rId6">
             <p14:nvContentPartPr>
               <p14:cNvPr id="20" name="Freihand 19">
@@ -6786,7 +6791,7 @@
             </p14:xfrm>
           </p:contentPart>
         </mc:Choice>
-        <mc:Fallback>
+        <mc:Fallback xmlns="">
           <p:pic>
             <p:nvPicPr>
               <p:cNvPr id="20" name="Freihand 19">
@@ -6817,8 +6822,8 @@
           </p:pic>
         </mc:Fallback>
       </mc:AlternateContent>
-      <mc:AlternateContent xmlns:mc="http://schemas.openxmlformats.org/markup-compatibility/2006">
-        <mc:Choice xmlns:p14="http://schemas.microsoft.com/office/powerpoint/2010/main" Requires="p14">
+      <mc:AlternateContent xmlns:mc="http://schemas.openxmlformats.org/markup-compatibility/2006" xmlns:p14="http://schemas.microsoft.com/office/powerpoint/2010/main">
+        <mc:Choice Requires="p14">
           <p:contentPart p14:bwMode="auto" r:id="rId7">
             <p14:nvContentPartPr>
               <p14:cNvPr id="3" name="Freihand 2">
@@ -6837,7 +6842,7 @@
             </p14:xfrm>
           </p:contentPart>
         </mc:Choice>
-        <mc:Fallback>
+        <mc:Fallback xmlns="">
           <p:pic>
             <p:nvPicPr>
               <p:cNvPr id="3" name="Freihand 2">
